--- a/Images/Figures_PPT/Torc1MetaPie.pptx
+++ b/Images/Figures_PPT/Torc1MetaPie.pptx
@@ -307,7 +307,7 @@
           <a:p>
             <a:fld id="{E6744CE3-0875-4B69-89C0-6F72D8139561}" type="datetimeFigureOut">
               <a:rPr lang="en-GB" smtClean="0"/>
-              <a:t>15/07/2025</a:t>
+              <a:t>29/07/2025</a:t>
             </a:fld>
             <a:endParaRPr lang="en-GB"/>
           </a:p>
@@ -477,7 +477,7 @@
           <a:p>
             <a:fld id="{E6744CE3-0875-4B69-89C0-6F72D8139561}" type="datetimeFigureOut">
               <a:rPr lang="en-GB" smtClean="0"/>
-              <a:t>15/07/2025</a:t>
+              <a:t>29/07/2025</a:t>
             </a:fld>
             <a:endParaRPr lang="en-GB"/>
           </a:p>
@@ -723,7 +723,7 @@
           <a:p>
             <a:fld id="{E6744CE3-0875-4B69-89C0-6F72D8139561}" type="datetimeFigureOut">
               <a:rPr lang="en-GB" smtClean="0"/>
-              <a:t>15/07/2025</a:t>
+              <a:t>29/07/2025</a:t>
             </a:fld>
             <a:endParaRPr lang="en-GB"/>
           </a:p>
@@ -1011,7 +1011,7 @@
           <a:p>
             <a:fld id="{E6744CE3-0875-4B69-89C0-6F72D8139561}" type="datetimeFigureOut">
               <a:rPr lang="en-GB" smtClean="0"/>
-              <a:t>15/07/2025</a:t>
+              <a:t>29/07/2025</a:t>
             </a:fld>
             <a:endParaRPr lang="en-GB"/>
           </a:p>
@@ -1433,7 +1433,7 @@
           <a:p>
             <a:fld id="{E6744CE3-0875-4B69-89C0-6F72D8139561}" type="datetimeFigureOut">
               <a:rPr lang="en-GB" smtClean="0"/>
-              <a:t>15/07/2025</a:t>
+              <a:t>29/07/2025</a:t>
             </a:fld>
             <a:endParaRPr lang="en-GB"/>
           </a:p>
@@ -1551,7 +1551,7 @@
           <a:p>
             <a:fld id="{E6744CE3-0875-4B69-89C0-6F72D8139561}" type="datetimeFigureOut">
               <a:rPr lang="en-GB" smtClean="0"/>
-              <a:t>15/07/2025</a:t>
+              <a:t>29/07/2025</a:t>
             </a:fld>
             <a:endParaRPr lang="en-GB"/>
           </a:p>
@@ -1646,7 +1646,7 @@
           <a:p>
             <a:fld id="{E6744CE3-0875-4B69-89C0-6F72D8139561}" type="datetimeFigureOut">
               <a:rPr lang="en-GB" smtClean="0"/>
-              <a:t>15/07/2025</a:t>
+              <a:t>29/07/2025</a:t>
             </a:fld>
             <a:endParaRPr lang="en-GB"/>
           </a:p>
@@ -1859,7 +1859,7 @@
           <a:p>
             <a:fld id="{E6744CE3-0875-4B69-89C0-6F72D8139561}" type="datetimeFigureOut">
               <a:rPr lang="en-GB" smtClean="0"/>
-              <a:t>15/07/2025</a:t>
+              <a:t>29/07/2025</a:t>
             </a:fld>
             <a:endParaRPr lang="en-GB"/>
           </a:p>
@@ -2277,8 +2277,8 @@
             <a:bodyPr/>
             <a:lstStyle/>
             <a:p>
-              <a:endParaRPr>
-                <a:latin typeface="Times New Roman" panose="02020603050405020304" pitchFamily="18" charset="0"/>
+              <a:endParaRPr sz="3600">
+                <a:latin typeface="Aptos" panose="020B0004020202020204" pitchFamily="34" charset="0"/>
                 <a:cs typeface="Times New Roman" panose="02020603050405020304" pitchFamily="18" charset="0"/>
               </a:endParaRPr>
             </a:p>
@@ -2506,8 +2506,8 @@
             <a:bodyPr/>
             <a:lstStyle/>
             <a:p>
-              <a:endParaRPr>
-                <a:latin typeface="Times New Roman" panose="02020603050405020304" pitchFamily="18" charset="0"/>
+              <a:endParaRPr sz="3600">
+                <a:latin typeface="Aptos" panose="020B0004020202020204" pitchFamily="34" charset="0"/>
                 <a:cs typeface="Times New Roman" panose="02020603050405020304" pitchFamily="18" charset="0"/>
               </a:endParaRPr>
             </a:p>
@@ -2741,8 +2741,8 @@
             <a:bodyPr/>
             <a:lstStyle/>
             <a:p>
-              <a:endParaRPr>
-                <a:latin typeface="Times New Roman" panose="02020603050405020304" pitchFamily="18" charset="0"/>
+              <a:endParaRPr sz="3600">
+                <a:latin typeface="Aptos" panose="020B0004020202020204" pitchFamily="34" charset="0"/>
                 <a:cs typeface="Times New Roman" panose="02020603050405020304" pitchFamily="18" charset="0"/>
               </a:endParaRPr>
             </a:p>
@@ -2967,8 +2967,8 @@
             <a:bodyPr/>
             <a:lstStyle/>
             <a:p>
-              <a:endParaRPr>
-                <a:latin typeface="Times New Roman" panose="02020603050405020304" pitchFamily="18" charset="0"/>
+              <a:endParaRPr sz="3600">
+                <a:latin typeface="Aptos" panose="020B0004020202020204" pitchFamily="34" charset="0"/>
                 <a:cs typeface="Times New Roman" panose="02020603050405020304" pitchFamily="18" charset="0"/>
               </a:endParaRPr>
             </a:p>
@@ -3199,8 +3199,8 @@
             <a:bodyPr/>
             <a:lstStyle/>
             <a:p>
-              <a:endParaRPr>
-                <a:latin typeface="Times New Roman" panose="02020603050405020304" pitchFamily="18" charset="0"/>
+              <a:endParaRPr sz="3600">
+                <a:latin typeface="Aptos" panose="020B0004020202020204" pitchFamily="34" charset="0"/>
                 <a:cs typeface="Times New Roman" panose="02020603050405020304" pitchFamily="18" charset="0"/>
               </a:endParaRPr>
             </a:p>
@@ -3944,8 +3944,8 @@
             <a:bodyPr/>
             <a:lstStyle/>
             <a:p>
-              <a:endParaRPr>
-                <a:latin typeface="Times New Roman" panose="02020603050405020304" pitchFamily="18" charset="0"/>
+              <a:endParaRPr sz="3600">
+                <a:latin typeface="Aptos" panose="020B0004020202020204" pitchFamily="34" charset="0"/>
                 <a:cs typeface="Times New Roman" panose="02020603050405020304" pitchFamily="18" charset="0"/>
               </a:endParaRPr>
             </a:p>
@@ -3959,7 +3959,7 @@
           </p:nvSpPr>
           <p:spPr>
             <a:xfrm>
-              <a:off x="3415697" y="1309402"/>
+              <a:off x="2434026" y="1498679"/>
               <a:ext cx="1578541" cy="157737"/>
             </a:xfrm>
             <a:prstGeom prst="rect">
@@ -3983,62 +3983,16 @@
                 </a:spcAft>
               </a:pPr>
               <a:r>
-                <a:rPr sz="1707" dirty="0">
+                <a:rPr sz="3600" dirty="0">
                   <a:solidFill>
                     <a:srgbClr val="000000">
                       <a:alpha val="100000"/>
                     </a:srgbClr>
                   </a:solidFill>
-                  <a:latin typeface="Times New Roman" panose="02020603050405020304" pitchFamily="18" charset="0"/>
+                  <a:latin typeface="Aptos" panose="020B0004020202020204" pitchFamily="34" charset="0"/>
                   <a:cs typeface="Times New Roman" panose="02020603050405020304" pitchFamily="18" charset="0"/>
                 </a:rPr>
                 <a:t>Plastid-Parasite </a:t>
-              </a:r>
-            </a:p>
-          </p:txBody>
-        </p:sp>
-        <p:sp>
-          <p:nvSpPr>
-            <p:cNvPr id="11" name="tx10"/>
-            <p:cNvSpPr/>
-            <p:nvPr/>
-          </p:nvSpPr>
-          <p:spPr>
-            <a:xfrm>
-              <a:off x="3777064" y="1549574"/>
-              <a:ext cx="855806" cy="163560"/>
-            </a:xfrm>
-            <a:prstGeom prst="rect">
-              <a:avLst/>
-            </a:prstGeom>
-            <a:noFill/>
-          </p:spPr>
-          <p:txBody>
-            <a:bodyPr wrap="none" lIns="0" tIns="0" rIns="0" bIns="0" anchor="ctr" anchorCtr="1"/>
-            <a:lstStyle/>
-            <a:p>
-              <a:pPr marL="0" marR="0" indent="0" algn="l">
-                <a:lnSpc>
-                  <a:spcPts val="1707"/>
-                </a:lnSpc>
-                <a:spcBef>
-                  <a:spcPts val="0"/>
-                </a:spcBef>
-                <a:spcAft>
-                  <a:spcPts val="0"/>
-                </a:spcAft>
-              </a:pPr>
-              <a:r>
-                <a:rPr sz="1707" dirty="0">
-                  <a:solidFill>
-                    <a:srgbClr val="000000">
-                      <a:alpha val="100000"/>
-                    </a:srgbClr>
-                  </a:solidFill>
-                  <a:latin typeface="Times New Roman" panose="02020603050405020304" pitchFamily="18" charset="0"/>
-                  <a:cs typeface="Times New Roman" panose="02020603050405020304" pitchFamily="18" charset="0"/>
-                </a:rPr>
-                <a:t> 1.224 %</a:t>
               </a:r>
             </a:p>
           </p:txBody>
@@ -4051,7 +4005,7 @@
           </p:nvSpPr>
           <p:spPr>
             <a:xfrm>
-              <a:off x="5170440" y="1002620"/>
+              <a:off x="4728060" y="1074898"/>
               <a:ext cx="1012168" cy="198283"/>
             </a:xfrm>
             <a:prstGeom prst="rect">
@@ -4075,62 +4029,16 @@
                 </a:spcAft>
               </a:pPr>
               <a:r>
-                <a:rPr sz="1707" dirty="0">
+                <a:rPr sz="3600" dirty="0">
                   <a:solidFill>
                     <a:srgbClr val="000000">
                       <a:alpha val="100000"/>
                     </a:srgbClr>
                   </a:solidFill>
-                  <a:latin typeface="Times New Roman" panose="02020603050405020304" pitchFamily="18" charset="0"/>
+                  <a:latin typeface="Aptos" panose="020B0004020202020204" pitchFamily="34" charset="0"/>
                   <a:cs typeface="Times New Roman" panose="02020603050405020304" pitchFamily="18" charset="0"/>
                 </a:rPr>
                 <a:t>Mixotroph </a:t>
-              </a:r>
-            </a:p>
-          </p:txBody>
-        </p:sp>
-        <p:sp>
-          <p:nvSpPr>
-            <p:cNvPr id="13" name="tx12"/>
-            <p:cNvSpPr/>
-            <p:nvPr/>
-          </p:nvSpPr>
-          <p:spPr>
-            <a:xfrm>
-              <a:off x="5311181" y="1256537"/>
-              <a:ext cx="855806" cy="163560"/>
-            </a:xfrm>
-            <a:prstGeom prst="rect">
-              <a:avLst/>
-            </a:prstGeom>
-            <a:noFill/>
-          </p:spPr>
-          <p:txBody>
-            <a:bodyPr wrap="none" lIns="0" tIns="0" rIns="0" bIns="0" anchor="ctr" anchorCtr="1"/>
-            <a:lstStyle/>
-            <a:p>
-              <a:pPr marL="0" marR="0" indent="0" algn="l">
-                <a:lnSpc>
-                  <a:spcPts val="1707"/>
-                </a:lnSpc>
-                <a:spcBef>
-                  <a:spcPts val="0"/>
-                </a:spcBef>
-                <a:spcAft>
-                  <a:spcPts val="0"/>
-                </a:spcAft>
-              </a:pPr>
-              <a:r>
-                <a:rPr sz="1707" dirty="0">
-                  <a:solidFill>
-                    <a:srgbClr val="000000">
-                      <a:alpha val="100000"/>
-                    </a:srgbClr>
-                  </a:solidFill>
-                  <a:latin typeface="Times New Roman" panose="02020603050405020304" pitchFamily="18" charset="0"/>
-                  <a:cs typeface="Times New Roman" panose="02020603050405020304" pitchFamily="18" charset="0"/>
-                </a:rPr>
-                <a:t> 2.245 %</a:t>
               </a:r>
             </a:p>
           </p:txBody>
@@ -4143,7 +4051,7 @@
           </p:nvSpPr>
           <p:spPr>
             <a:xfrm>
-              <a:off x="6499551" y="1138616"/>
+              <a:off x="7407663" y="1095486"/>
               <a:ext cx="1205158" cy="198283"/>
             </a:xfrm>
             <a:prstGeom prst="rect">
@@ -4167,62 +4075,16 @@
                 </a:spcAft>
               </a:pPr>
               <a:r>
-                <a:rPr sz="1707" dirty="0">
+                <a:rPr sz="3600" dirty="0">
                   <a:solidFill>
                     <a:srgbClr val="000000">
                       <a:alpha val="100000"/>
                     </a:srgbClr>
                   </a:solidFill>
-                  <a:latin typeface="Times New Roman" panose="02020603050405020304" pitchFamily="18" charset="0"/>
+                  <a:latin typeface="Aptos" panose="020B0004020202020204" pitchFamily="34" charset="0"/>
                   <a:cs typeface="Times New Roman" panose="02020603050405020304" pitchFamily="18" charset="0"/>
                 </a:rPr>
                 <a:t>Heterotroph </a:t>
-              </a:r>
-            </a:p>
-          </p:txBody>
-        </p:sp>
-        <p:sp>
-          <p:nvSpPr>
-            <p:cNvPr id="15" name="tx14"/>
-            <p:cNvSpPr/>
-            <p:nvPr/>
-          </p:nvSpPr>
-          <p:spPr>
-            <a:xfrm>
-              <a:off x="6658607" y="1408466"/>
-              <a:ext cx="855806" cy="163560"/>
-            </a:xfrm>
-            <a:prstGeom prst="rect">
-              <a:avLst/>
-            </a:prstGeom>
-            <a:noFill/>
-          </p:spPr>
-          <p:txBody>
-            <a:bodyPr wrap="none" lIns="0" tIns="0" rIns="0" bIns="0" anchor="ctr" anchorCtr="1"/>
-            <a:lstStyle/>
-            <a:p>
-              <a:pPr marL="0" marR="0" indent="0" algn="l">
-                <a:lnSpc>
-                  <a:spcPts val="1707"/>
-                </a:lnSpc>
-                <a:spcBef>
-                  <a:spcPts val="0"/>
-                </a:spcBef>
-                <a:spcAft>
-                  <a:spcPts val="0"/>
-                </a:spcAft>
-              </a:pPr>
-              <a:r>
-                <a:rPr sz="1707" dirty="0">
-                  <a:solidFill>
-                    <a:srgbClr val="000000">
-                      <a:alpha val="100000"/>
-                    </a:srgbClr>
-                  </a:solidFill>
-                  <a:latin typeface="Times New Roman" panose="02020603050405020304" pitchFamily="18" charset="0"/>
-                  <a:cs typeface="Times New Roman" panose="02020603050405020304" pitchFamily="18" charset="0"/>
-                </a:rPr>
-                <a:t> 0.408 %</a:t>
               </a:r>
             </a:p>
           </p:txBody>
@@ -4235,7 +4097,7 @@
           </p:nvSpPr>
           <p:spPr>
             <a:xfrm>
-              <a:off x="7142685" y="1706438"/>
+              <a:off x="7933568" y="1800664"/>
               <a:ext cx="1470136" cy="200824"/>
             </a:xfrm>
             <a:prstGeom prst="rect">
@@ -4259,62 +4121,28 @@
                 </a:spcAft>
               </a:pPr>
               <a:r>
-                <a:rPr sz="1707" dirty="0">
+                <a:rPr lang="en-US" sz="3600" dirty="0" err="1">
                   <a:solidFill>
                     <a:srgbClr val="000000">
                       <a:alpha val="100000"/>
                     </a:srgbClr>
                   </a:solidFill>
-                  <a:latin typeface="Times New Roman" panose="02020603050405020304" pitchFamily="18" charset="0"/>
+                  <a:latin typeface="Aptos" panose="020B0004020202020204" pitchFamily="34" charset="0"/>
                   <a:cs typeface="Times New Roman" panose="02020603050405020304" pitchFamily="18" charset="0"/>
                 </a:rPr>
-                <a:t>Endosymbiotic </a:t>
+                <a:t>Endosymbiote</a:t>
               </a:r>
-            </a:p>
-          </p:txBody>
-        </p:sp>
-        <p:sp>
-          <p:nvSpPr>
-            <p:cNvPr id="17" name="tx16"/>
-            <p:cNvSpPr/>
-            <p:nvPr/>
-          </p:nvSpPr>
-          <p:spPr>
-            <a:xfrm>
-              <a:off x="7514413" y="1981717"/>
-              <a:ext cx="855806" cy="163560"/>
-            </a:xfrm>
-            <a:prstGeom prst="rect">
-              <a:avLst/>
-            </a:prstGeom>
-            <a:noFill/>
-          </p:spPr>
-          <p:txBody>
-            <a:bodyPr wrap="none" lIns="0" tIns="0" rIns="0" bIns="0" anchor="ctr" anchorCtr="1"/>
-            <a:lstStyle/>
-            <a:p>
-              <a:pPr marL="0" marR="0" indent="0" algn="l">
-                <a:lnSpc>
-                  <a:spcPts val="1707"/>
-                </a:lnSpc>
-                <a:spcBef>
-                  <a:spcPts val="0"/>
-                </a:spcBef>
-                <a:spcAft>
-                  <a:spcPts val="0"/>
-                </a:spcAft>
-              </a:pPr>
               <a:r>
-                <a:rPr sz="1707" dirty="0">
+                <a:rPr sz="3600" dirty="0">
                   <a:solidFill>
                     <a:srgbClr val="000000">
                       <a:alpha val="100000"/>
                     </a:srgbClr>
                   </a:solidFill>
-                  <a:latin typeface="Times New Roman" panose="02020603050405020304" pitchFamily="18" charset="0"/>
+                  <a:latin typeface="Aptos" panose="020B0004020202020204" pitchFamily="34" charset="0"/>
                   <a:cs typeface="Times New Roman" panose="02020603050405020304" pitchFamily="18" charset="0"/>
                 </a:rPr>
-                <a:t> 2.041 %</a:t>
+                <a:t> </a:t>
               </a:r>
             </a:p>
           </p:txBody>
@@ -4351,109 +4179,26 @@
                 </a:spcAft>
               </a:pPr>
               <a:r>
-                <a:rPr sz="1707">
+                <a:rPr lang="en-US" sz="3600" dirty="0">
                   <a:solidFill>
                     <a:srgbClr val="000000">
                       <a:alpha val="100000"/>
                     </a:srgbClr>
                   </a:solidFill>
-                  <a:latin typeface="Times New Roman" panose="02020603050405020304" pitchFamily="18" charset="0"/>
+                  <a:latin typeface="Aptos" panose="020B0004020202020204" pitchFamily="34" charset="0"/>
                   <a:cs typeface="Times New Roman" panose="02020603050405020304" pitchFamily="18" charset="0"/>
                 </a:rPr>
-                <a:t>Autotrophic </a:t>
+                <a:t>Autotroph</a:t>
               </a:r>
-            </a:p>
-          </p:txBody>
-        </p:sp>
-        <p:sp>
-          <p:nvSpPr>
-            <p:cNvPr id="19" name="tx18"/>
-            <p:cNvSpPr/>
-            <p:nvPr/>
-          </p:nvSpPr>
-          <p:spPr>
-            <a:xfrm>
-              <a:off x="4769568" y="5508814"/>
-              <a:ext cx="976386" cy="163560"/>
-            </a:xfrm>
-            <a:prstGeom prst="rect">
-              <a:avLst/>
-            </a:prstGeom>
-            <a:noFill/>
-          </p:spPr>
-          <p:txBody>
-            <a:bodyPr wrap="none" lIns="0" tIns="0" rIns="0" bIns="0" anchor="ctr" anchorCtr="1"/>
-            <a:lstStyle/>
-            <a:p>
-              <a:pPr marL="0" marR="0" indent="0" algn="l">
-                <a:lnSpc>
-                  <a:spcPts val="1707"/>
-                </a:lnSpc>
-                <a:spcBef>
-                  <a:spcPts val="0"/>
-                </a:spcBef>
-                <a:spcAft>
-                  <a:spcPts val="0"/>
-                </a:spcAft>
-              </a:pPr>
-              <a:r>
-                <a:rPr sz="1707">
-                  <a:solidFill>
-                    <a:srgbClr val="000000">
-                      <a:alpha val="100000"/>
-                    </a:srgbClr>
-                  </a:solidFill>
-                  <a:latin typeface="Times New Roman" panose="02020603050405020304" pitchFamily="18" charset="0"/>
-                  <a:cs typeface="Times New Roman" panose="02020603050405020304" pitchFamily="18" charset="0"/>
-                </a:rPr>
-                <a:t> 94.082 %</a:t>
-              </a:r>
-            </a:p>
-          </p:txBody>
-        </p:sp>
-        <p:sp>
-          <p:nvSpPr>
-            <p:cNvPr id="20" name="tx19"/>
-            <p:cNvSpPr/>
-            <p:nvPr/>
-          </p:nvSpPr>
-          <p:spPr>
-            <a:xfrm>
-              <a:off x="940954" y="926331"/>
-              <a:ext cx="3147342" cy="152578"/>
-            </a:xfrm>
-            <a:prstGeom prst="rect">
-              <a:avLst/>
-            </a:prstGeom>
-            <a:noFill/>
-          </p:spPr>
-          <p:txBody>
-            <a:bodyPr wrap="none" lIns="0" tIns="0" rIns="0" bIns="0" anchor="ctr" anchorCtr="1"/>
-            <a:lstStyle/>
-            <a:p>
-              <a:pPr marL="0" marR="0" indent="0" algn="l">
-                <a:lnSpc>
-                  <a:spcPts val="1320"/>
-                </a:lnSpc>
-                <a:spcBef>
-                  <a:spcPts val="0"/>
-                </a:spcBef>
-                <a:spcAft>
-                  <a:spcPts val="0"/>
-                </a:spcAft>
-              </a:pPr>
-              <a:r>
-                <a:rPr sz="1320" dirty="0">
-                  <a:solidFill>
-                    <a:srgbClr val="000000">
-                      <a:alpha val="100000"/>
-                    </a:srgbClr>
-                  </a:solidFill>
-                  <a:latin typeface="Times New Roman" panose="02020603050405020304" pitchFamily="18" charset="0"/>
-                  <a:cs typeface="Times New Roman" panose="02020603050405020304" pitchFamily="18" charset="0"/>
-                </a:rPr>
-                <a:t>Metabolic Strategies Breakdown TORC1 Only</a:t>
-              </a:r>
+              <a:endParaRPr sz="3600" dirty="0">
+                <a:solidFill>
+                  <a:srgbClr val="000000">
+                    <a:alpha val="100000"/>
+                  </a:srgbClr>
+                </a:solidFill>
+                <a:latin typeface="Aptos" panose="020B0004020202020204" pitchFamily="34" charset="0"/>
+                <a:cs typeface="Times New Roman" panose="02020603050405020304" pitchFamily="18" charset="0"/>
+              </a:endParaRPr>
             </a:p>
           </p:txBody>
         </p:sp>
@@ -4468,14 +4213,15 @@
             </a:extLst>
           </p:cNvPr>
           <p:cNvCxnSpPr>
-            <a:stCxn id="11" idx="3"/>
+            <a:cxnSpLocks/>
+            <a:stCxn id="10" idx="2"/>
           </p:cNvCxnSpPr>
           <p:nvPr/>
         </p:nvCxnSpPr>
         <p:spPr>
           <a:xfrm>
-            <a:off x="3718470" y="761578"/>
-            <a:ext cx="880084" cy="175496"/>
+            <a:off x="2308897" y="786640"/>
+            <a:ext cx="2314838" cy="287906"/>
           </a:xfrm>
           <a:prstGeom prst="straightConnector1">
             <a:avLst/>
@@ -4509,14 +4255,15 @@
             </a:extLst>
           </p:cNvPr>
           <p:cNvCxnSpPr>
-            <a:stCxn id="13" idx="2"/>
+            <a:cxnSpLocks/>
+            <a:stCxn id="12" idx="2"/>
           </p:cNvCxnSpPr>
           <p:nvPr/>
         </p:nvCxnSpPr>
         <p:spPr>
           <a:xfrm>
-            <a:off x="4824684" y="550321"/>
-            <a:ext cx="35348" cy="718439"/>
+            <a:off x="4319744" y="403405"/>
+            <a:ext cx="540288" cy="865355"/>
           </a:xfrm>
           <a:prstGeom prst="straightConnector1">
             <a:avLst/>
@@ -4550,14 +4297,15 @@
             </a:extLst>
           </p:cNvPr>
           <p:cNvCxnSpPr>
-            <a:stCxn id="15" idx="2"/>
+            <a:cxnSpLocks/>
+            <a:stCxn id="14" idx="2"/>
           </p:cNvCxnSpPr>
           <p:nvPr/>
         </p:nvCxnSpPr>
         <p:spPr>
           <a:xfrm flipH="1">
-            <a:off x="5168711" y="702250"/>
-            <a:ext cx="1003399" cy="234824"/>
+            <a:off x="5106957" y="423993"/>
+            <a:ext cx="1988885" cy="536971"/>
           </a:xfrm>
           <a:prstGeom prst="straightConnector1">
             <a:avLst/>
@@ -4591,14 +4339,15 @@
             </a:extLst>
           </p:cNvPr>
           <p:cNvCxnSpPr>
-            <a:stCxn id="17" idx="1"/>
+            <a:cxnSpLocks/>
+            <a:stCxn id="16" idx="2"/>
           </p:cNvCxnSpPr>
           <p:nvPr/>
         </p:nvCxnSpPr>
         <p:spPr>
-          <a:xfrm flipH="1" flipV="1">
-            <a:off x="5364088" y="1111941"/>
-            <a:ext cx="1235925" cy="81780"/>
+          <a:xfrm flipH="1">
+            <a:off x="5276346" y="1131712"/>
+            <a:ext cx="2477890" cy="143789"/>
           </a:xfrm>
           <a:prstGeom prst="straightConnector1">
             <a:avLst/>

--- a/Images/Figures_PPT/Torc1MetaPie.pptx
+++ b/Images/Figures_PPT/Torc1MetaPie.pptx
@@ -307,7 +307,7 @@
           <a:p>
             <a:fld id="{E6744CE3-0875-4B69-89C0-6F72D8139561}" type="datetimeFigureOut">
               <a:rPr lang="en-GB" smtClean="0"/>
-              <a:t>29/07/2025</a:t>
+              <a:t>31/07/2025</a:t>
             </a:fld>
             <a:endParaRPr lang="en-GB"/>
           </a:p>
@@ -477,7 +477,7 @@
           <a:p>
             <a:fld id="{E6744CE3-0875-4B69-89C0-6F72D8139561}" type="datetimeFigureOut">
               <a:rPr lang="en-GB" smtClean="0"/>
-              <a:t>29/07/2025</a:t>
+              <a:t>31/07/2025</a:t>
             </a:fld>
             <a:endParaRPr lang="en-GB"/>
           </a:p>
@@ -723,7 +723,7 @@
           <a:p>
             <a:fld id="{E6744CE3-0875-4B69-89C0-6F72D8139561}" type="datetimeFigureOut">
               <a:rPr lang="en-GB" smtClean="0"/>
-              <a:t>29/07/2025</a:t>
+              <a:t>31/07/2025</a:t>
             </a:fld>
             <a:endParaRPr lang="en-GB"/>
           </a:p>
@@ -1011,7 +1011,7 @@
           <a:p>
             <a:fld id="{E6744CE3-0875-4B69-89C0-6F72D8139561}" type="datetimeFigureOut">
               <a:rPr lang="en-GB" smtClean="0"/>
-              <a:t>29/07/2025</a:t>
+              <a:t>31/07/2025</a:t>
             </a:fld>
             <a:endParaRPr lang="en-GB"/>
           </a:p>
@@ -1433,7 +1433,7 @@
           <a:p>
             <a:fld id="{E6744CE3-0875-4B69-89C0-6F72D8139561}" type="datetimeFigureOut">
               <a:rPr lang="en-GB" smtClean="0"/>
-              <a:t>29/07/2025</a:t>
+              <a:t>31/07/2025</a:t>
             </a:fld>
             <a:endParaRPr lang="en-GB"/>
           </a:p>
@@ -1551,7 +1551,7 @@
           <a:p>
             <a:fld id="{E6744CE3-0875-4B69-89C0-6F72D8139561}" type="datetimeFigureOut">
               <a:rPr lang="en-GB" smtClean="0"/>
-              <a:t>29/07/2025</a:t>
+              <a:t>31/07/2025</a:t>
             </a:fld>
             <a:endParaRPr lang="en-GB"/>
           </a:p>
@@ -1646,7 +1646,7 @@
           <a:p>
             <a:fld id="{E6744CE3-0875-4B69-89C0-6F72D8139561}" type="datetimeFigureOut">
               <a:rPr lang="en-GB" smtClean="0"/>
-              <a:t>29/07/2025</a:t>
+              <a:t>31/07/2025</a:t>
             </a:fld>
             <a:endParaRPr lang="en-GB"/>
           </a:p>
@@ -1859,7 +1859,7 @@
           <a:p>
             <a:fld id="{E6744CE3-0875-4B69-89C0-6F72D8139561}" type="datetimeFigureOut">
               <a:rPr lang="en-GB" smtClean="0"/>
-              <a:t>29/07/2025</a:t>
+              <a:t>31/07/2025</a:t>
             </a:fld>
             <a:endParaRPr lang="en-GB"/>
           </a:p>
@@ -4121,7 +4121,7 @@
                 </a:spcAft>
               </a:pPr>
               <a:r>
-                <a:rPr lang="en-US" sz="3600" dirty="0" err="1">
+                <a:rPr lang="en-US" sz="3600" dirty="0">
                   <a:solidFill>
                     <a:srgbClr val="000000">
                       <a:alpha val="100000"/>
@@ -4130,7 +4130,7 @@
                   <a:latin typeface="Aptos" panose="020B0004020202020204" pitchFamily="34" charset="0"/>
                   <a:cs typeface="Times New Roman" panose="02020603050405020304" pitchFamily="18" charset="0"/>
                 </a:rPr>
-                <a:t>Endosymbiote</a:t>
+                <a:t>Endosymbiont</a:t>
               </a:r>
               <a:r>
                 <a:rPr sz="3600" dirty="0">
